--- a/PPTs/二分查找.pptx
+++ b/PPTs/二分查找.pptx
@@ -18,6 +18,13 @@
     <p:sldId id="266" r:id="rId13"/>
     <p:sldId id="267" r:id="rId14"/>
     <p:sldId id="268" r:id="rId15"/>
+    <p:sldId id="269" r:id="rId16"/>
+    <p:sldId id="270" r:id="rId17"/>
+    <p:sldId id="271" r:id="rId18"/>
+    <p:sldId id="272" r:id="rId19"/>
+    <p:sldId id="273" r:id="rId20"/>
+    <p:sldId id="274" r:id="rId21"/>
+    <p:sldId id="276" r:id="rId22"/>
   </p:sldIdLst>
   <p:sldSz cx="12192000" cy="6858000"/>
   <p:notesSz cx="6858000" cy="9144000"/>
@@ -2941,10 +2948,10 @@
           <a:bodyPr/>
           <a:p>
             <a:r>
-              <a:rPr lang="" altLang="zh-CN"/>
+              <a:rPr lang="en-US" altLang="zh-CN"/>
               <a:t>二分查找</a:t>
             </a:r>
-            <a:endParaRPr lang="" altLang="zh-CN"/>
+            <a:endParaRPr lang="en-US" altLang="zh-CN"/>
           </a:p>
         </p:txBody>
       </p:sp>
@@ -2999,10 +3006,10 @@
           <a:bodyPr/>
           <a:p>
             <a:r>
-              <a:rPr lang="" altLang="zh-CN"/>
+              <a:rPr lang="en-US" altLang="zh-CN"/>
               <a:t>独立解决  思路</a:t>
             </a:r>
-            <a:endParaRPr lang="" altLang="zh-CN"/>
+            <a:endParaRPr lang="en-US" altLang="zh-CN"/>
           </a:p>
         </p:txBody>
       </p:sp>
@@ -3021,24 +3028,24 @@
           <a:bodyPr/>
           <a:p>
             <a:r>
-              <a:rPr lang="" altLang="zh-CN"/>
+              <a:rPr lang="en-US" altLang="zh-CN"/>
               <a:t>船载重最低值为1，最高值为数组的sum</a:t>
             </a:r>
-            <a:endParaRPr lang="" altLang="zh-CN"/>
-          </a:p>
-          <a:p>
-            <a:r>
-              <a:rPr lang="" altLang="zh-CN"/>
+            <a:endParaRPr lang="en-US" altLang="zh-CN"/>
+          </a:p>
+          <a:p>
+            <a:r>
+              <a:rPr lang="en-US" altLang="zh-CN"/>
               <a:t>随着船载重的增高，需要的天数逐渐下降，这是个单调函数</a:t>
             </a:r>
-            <a:endParaRPr lang="" altLang="zh-CN"/>
-          </a:p>
-          <a:p>
-            <a:r>
-              <a:rPr lang="" altLang="zh-CN"/>
+            <a:endParaRPr lang="en-US" altLang="zh-CN"/>
+          </a:p>
+          <a:p>
+            <a:r>
+              <a:rPr lang="en-US" altLang="zh-CN"/>
               <a:t>这是一个连续单调区间的搜索问题，可以考虑用二分查找代替线性查找，以提高效率</a:t>
             </a:r>
-            <a:endParaRPr lang="" altLang="zh-CN"/>
+            <a:endParaRPr lang="en-US" altLang="zh-CN"/>
           </a:p>
         </p:txBody>
       </p:sp>
@@ -3075,10 +3082,10 @@
           <a:bodyPr/>
           <a:p>
             <a:r>
-              <a:rPr lang="" altLang="zh-CN"/>
+              <a:rPr lang="en-US" altLang="zh-CN"/>
               <a:t>框架</a:t>
             </a:r>
-            <a:endParaRPr lang="" altLang="zh-CN"/>
+            <a:endParaRPr lang="en-US" altLang="zh-CN"/>
           </a:p>
         </p:txBody>
       </p:sp>
@@ -3102,100 +3109,100 @@
               <a:buNone/>
             </a:pPr>
             <a:r>
-              <a:rPr lang="" altLang="zh-CN"/>
+              <a:rPr lang="en-US" altLang="zh-CN"/>
               <a:t>int left = 1, right = sum+1</a:t>
             </a:r>
-            <a:endParaRPr lang="" altLang="zh-CN"/>
-          </a:p>
-          <a:p>
-            <a:pPr marL="0" indent="0">
-              <a:buNone/>
-            </a:pPr>
-            <a:r>
-              <a:rPr lang="" altLang="zh-CN"/>
+            <a:endParaRPr lang="en-US" altLang="zh-CN"/>
+          </a:p>
+          <a:p>
+            <a:pPr marL="0" indent="0">
+              <a:buNone/>
+            </a:pPr>
+            <a:r>
+              <a:rPr lang="en-US" altLang="zh-CN"/>
               <a:t>while(left &lt; right) {</a:t>
             </a:r>
-            <a:endParaRPr lang="" altLang="zh-CN"/>
-          </a:p>
-          <a:p>
-            <a:pPr marL="0" indent="0">
-              <a:buNone/>
-            </a:pPr>
-            <a:r>
-              <a:rPr lang="" altLang="zh-CN"/>
+            <a:endParaRPr lang="en-US" altLang="zh-CN"/>
+          </a:p>
+          <a:p>
+            <a:pPr marL="0" indent="0">
+              <a:buNone/>
+            </a:pPr>
+            <a:r>
+              <a:rPr lang="en-US" altLang="zh-CN"/>
               <a:t>	int mid = left + (right-left)/2;</a:t>
             </a:r>
-            <a:endParaRPr lang="" altLang="zh-CN"/>
-          </a:p>
-          <a:p>
-            <a:pPr marL="0" indent="0">
-              <a:buNone/>
-            </a:pPr>
-            <a:r>
-              <a:rPr lang="" altLang="zh-CN"/>
+            <a:endParaRPr lang="en-US" altLang="zh-CN"/>
+          </a:p>
+          <a:p>
+            <a:pPr marL="0" indent="0">
+              <a:buNone/>
+            </a:pPr>
+            <a:r>
+              <a:rPr lang="en-US" altLang="zh-CN"/>
               <a:t>	if(needDays(weights, mid) &lt;= D) {</a:t>
             </a:r>
-            <a:endParaRPr lang="" altLang="zh-CN"/>
-          </a:p>
-          <a:p>
-            <a:pPr marL="0" indent="0">
-              <a:buNone/>
-            </a:pPr>
-            <a:r>
-              <a:rPr lang="" altLang="zh-CN"/>
+            <a:endParaRPr lang="en-US" altLang="zh-CN"/>
+          </a:p>
+          <a:p>
+            <a:pPr marL="0" indent="0">
+              <a:buNone/>
+            </a:pPr>
+            <a:r>
+              <a:rPr lang="en-US" altLang="zh-CN"/>
               <a:t>		right = mid;</a:t>
             </a:r>
-            <a:endParaRPr lang="" altLang="zh-CN"/>
-          </a:p>
-          <a:p>
-            <a:pPr marL="0" indent="0">
-              <a:buNone/>
-            </a:pPr>
-            <a:r>
-              <a:rPr lang="" altLang="zh-CN"/>
+            <a:endParaRPr lang="en-US" altLang="zh-CN"/>
+          </a:p>
+          <a:p>
+            <a:pPr marL="0" indent="0">
+              <a:buNone/>
+            </a:pPr>
+            <a:r>
+              <a:rPr lang="en-US" altLang="zh-CN"/>
               <a:t>	}</a:t>
             </a:r>
-            <a:endParaRPr lang="" altLang="zh-CN"/>
-          </a:p>
-          <a:p>
-            <a:pPr marL="0" indent="0">
-              <a:buNone/>
-            </a:pPr>
-            <a:r>
-              <a:rPr lang="" altLang="zh-CN"/>
+            <a:endParaRPr lang="en-US" altLang="zh-CN"/>
+          </a:p>
+          <a:p>
+            <a:pPr marL="0" indent="0">
+              <a:buNone/>
+            </a:pPr>
+            <a:r>
+              <a:rPr lang="en-US" altLang="zh-CN"/>
               <a:t>	else {</a:t>
             </a:r>
-            <a:endParaRPr lang="" altLang="zh-CN"/>
-          </a:p>
-          <a:p>
-            <a:pPr marL="0" indent="0">
-              <a:buNone/>
-            </a:pPr>
-            <a:r>
-              <a:rPr lang="" altLang="zh-CN"/>
+            <a:endParaRPr lang="en-US" altLang="zh-CN"/>
+          </a:p>
+          <a:p>
+            <a:pPr marL="0" indent="0">
+              <a:buNone/>
+            </a:pPr>
+            <a:r>
+              <a:rPr lang="en-US" altLang="zh-CN"/>
               <a:t>		left = mid + 1;</a:t>
             </a:r>
-            <a:endParaRPr lang="" altLang="zh-CN"/>
-          </a:p>
-          <a:p>
-            <a:pPr marL="0" indent="0">
-              <a:buNone/>
-            </a:pPr>
-            <a:r>
-              <a:rPr lang="" altLang="zh-CN"/>
+            <a:endParaRPr lang="en-US" altLang="zh-CN"/>
+          </a:p>
+          <a:p>
+            <a:pPr marL="0" indent="0">
+              <a:buNone/>
+            </a:pPr>
+            <a:r>
+              <a:rPr lang="en-US" altLang="zh-CN"/>
               <a:t>	}</a:t>
             </a:r>
-            <a:endParaRPr lang="" altLang="zh-CN"/>
-          </a:p>
-          <a:p>
-            <a:pPr marL="0" indent="0">
-              <a:buNone/>
-            </a:pPr>
-            <a:r>
-              <a:rPr lang="" altLang="zh-CN"/>
+            <a:endParaRPr lang="en-US" altLang="zh-CN"/>
+          </a:p>
+          <a:p>
+            <a:pPr marL="0" indent="0">
+              <a:buNone/>
+            </a:pPr>
+            <a:r>
+              <a:rPr lang="en-US" altLang="zh-CN"/>
               <a:t>}</a:t>
             </a:r>
-            <a:endParaRPr lang="" altLang="zh-CN"/>
+            <a:endParaRPr lang="en-US" altLang="zh-CN"/>
           </a:p>
         </p:txBody>
       </p:sp>
@@ -3305,6 +3312,691 @@
 </p:sld>
 </file>
 
+<file path=ppt/slides/slide14.xml><?xml version="1.0" encoding="utf-8"?>
+<p:sld xmlns:a="http://schemas.openxmlformats.org/drawingml/2006/main" xmlns:r="http://schemas.openxmlformats.org/officeDocument/2006/relationships" xmlns:p="http://schemas.openxmlformats.org/presentationml/2006/main">
+  <p:cSld>
+    <p:spTree>
+      <p:nvGrpSpPr>
+        <p:cNvPr id="1" name=""/>
+        <p:cNvGrpSpPr/>
+        <p:nvPr/>
+      </p:nvGrpSpPr>
+      <p:grpSpPr/>
+      <p:sp>
+        <p:nvSpPr>
+          <p:cNvPr id="2" name="标题 1"/>
+          <p:cNvSpPr>
+            <a:spLocks noGrp="1"/>
+          </p:cNvSpPr>
+          <p:nvPr>
+            <p:ph type="title"/>
+          </p:nvPr>
+        </p:nvSpPr>
+        <p:spPr/>
+        <p:txBody>
+          <a:bodyPr/>
+          <a:p>
+            <a:endParaRPr lang="zh-CN" altLang="en-US"/>
+          </a:p>
+        </p:txBody>
+      </p:sp>
+      <p:sp>
+        <p:nvSpPr>
+          <p:cNvPr id="3" name="内容占位符 2"/>
+          <p:cNvSpPr>
+            <a:spLocks noGrp="1"/>
+          </p:cNvSpPr>
+          <p:nvPr>
+            <p:ph idx="1"/>
+          </p:nvPr>
+        </p:nvSpPr>
+        <p:spPr/>
+        <p:txBody>
+          <a:bodyPr/>
+          <a:p>
+            <a:endParaRPr lang="zh-CN" altLang="en-US"/>
+          </a:p>
+        </p:txBody>
+      </p:sp>
+    </p:spTree>
+  </p:cSld>
+  <p:clrMapOvr>
+    <a:masterClrMapping/>
+  </p:clrMapOvr>
+</p:sld>
+</file>
+
+<file path=ppt/slides/slide15.xml><?xml version="1.0" encoding="utf-8"?>
+<p:sld xmlns:a="http://schemas.openxmlformats.org/drawingml/2006/main" xmlns:r="http://schemas.openxmlformats.org/officeDocument/2006/relationships" xmlns:p="http://schemas.openxmlformats.org/presentationml/2006/main">
+  <p:cSld>
+    <p:spTree>
+      <p:nvGrpSpPr>
+        <p:cNvPr id="1" name=""/>
+        <p:cNvGrpSpPr/>
+        <p:nvPr/>
+      </p:nvGrpSpPr>
+      <p:grpSpPr/>
+      <p:sp>
+        <p:nvSpPr>
+          <p:cNvPr id="2" name="标题 1"/>
+          <p:cNvSpPr>
+            <a:spLocks noGrp="1"/>
+          </p:cNvSpPr>
+          <p:nvPr>
+            <p:ph type="title"/>
+          </p:nvPr>
+        </p:nvSpPr>
+        <p:spPr/>
+        <p:txBody>
+          <a:bodyPr/>
+          <a:p>
+            <a:r>
+              <a:rPr lang="" altLang="zh-CN"/>
+              <a:t>4 寻找两个正序数组的中位数</a:t>
+            </a:r>
+            <a:endParaRPr lang="" altLang="zh-CN"/>
+          </a:p>
+        </p:txBody>
+      </p:sp>
+      <p:sp>
+        <p:nvSpPr>
+          <p:cNvPr id="3" name="内容占位符 2"/>
+          <p:cNvSpPr>
+            <a:spLocks noGrp="1"/>
+          </p:cNvSpPr>
+          <p:nvPr>
+            <p:ph idx="1"/>
+          </p:nvPr>
+        </p:nvSpPr>
+        <p:spPr/>
+        <p:txBody>
+          <a:bodyPr/>
+          <a:p>
+            <a:r>
+              <a:rPr lang="" altLang="zh-CN"/>
+              <a:t>两个直观的思路：</a:t>
+            </a:r>
+            <a:endParaRPr lang="" altLang="zh-CN"/>
+          </a:p>
+          <a:p>
+            <a:endParaRPr lang="" altLang="zh-CN"/>
+          </a:p>
+          <a:p>
+            <a:r>
+              <a:rPr lang="" altLang="zh-CN"/>
+              <a:t>1、归并数组</a:t>
+            </a:r>
+            <a:endParaRPr lang="" altLang="zh-CN"/>
+          </a:p>
+          <a:p>
+            <a:endParaRPr lang="" altLang="zh-CN"/>
+          </a:p>
+          <a:p>
+            <a:r>
+              <a:rPr lang="" altLang="zh-CN"/>
+              <a:t>2、双指针，对比和移动下标到达中位数所在的位置</a:t>
+            </a:r>
+            <a:endParaRPr lang="" altLang="zh-CN"/>
+          </a:p>
+          <a:p>
+            <a:endParaRPr lang="" altLang="zh-CN"/>
+          </a:p>
+          <a:p>
+            <a:r>
+              <a:rPr lang="" altLang="zh-CN"/>
+              <a:t>但是这两种思路的时间复杂度都为O(m+n)</a:t>
+            </a:r>
+            <a:endParaRPr lang="" altLang="zh-CN"/>
+          </a:p>
+        </p:txBody>
+      </p:sp>
+    </p:spTree>
+  </p:cSld>
+  <p:clrMapOvr>
+    <a:masterClrMapping/>
+  </p:clrMapOvr>
+</p:sld>
+</file>
+
+<file path=ppt/slides/slide16.xml><?xml version="1.0" encoding="utf-8"?>
+<p:sld xmlns:a="http://schemas.openxmlformats.org/drawingml/2006/main" xmlns:r="http://schemas.openxmlformats.org/officeDocument/2006/relationships" xmlns:p="http://schemas.openxmlformats.org/presentationml/2006/main">
+  <p:cSld>
+    <p:spTree>
+      <p:nvGrpSpPr>
+        <p:cNvPr id="1" name=""/>
+        <p:cNvGrpSpPr/>
+        <p:nvPr/>
+      </p:nvGrpSpPr>
+      <p:grpSpPr/>
+      <p:sp>
+        <p:nvSpPr>
+          <p:cNvPr id="2" name="标题 1"/>
+          <p:cNvSpPr>
+            <a:spLocks noGrp="1"/>
+          </p:cNvSpPr>
+          <p:nvPr>
+            <p:ph type="title"/>
+          </p:nvPr>
+        </p:nvSpPr>
+        <p:spPr/>
+        <p:txBody>
+          <a:bodyPr/>
+          <a:p>
+            <a:r>
+              <a:rPr lang="" altLang="zh-CN"/>
+              <a:t>二分查找的思路</a:t>
+            </a:r>
+            <a:endParaRPr lang="" altLang="zh-CN"/>
+          </a:p>
+        </p:txBody>
+      </p:sp>
+      <p:sp>
+        <p:nvSpPr>
+          <p:cNvPr id="3" name="内容占位符 2"/>
+          <p:cNvSpPr>
+            <a:spLocks noGrp="1"/>
+          </p:cNvSpPr>
+          <p:nvPr>
+            <p:ph idx="1"/>
+          </p:nvPr>
+        </p:nvSpPr>
+        <p:spPr/>
+        <p:txBody>
+          <a:bodyPr/>
+          <a:p>
+            <a:pPr marL="514350" indent="-514350">
+              <a:buAutoNum type="arabicPeriod"/>
+            </a:pPr>
+            <a:r>
+              <a:rPr lang="" altLang="zh-CN"/>
+              <a:t>根据中位数的定义，若m+n为奇数，则中位数是第(m+n)/2 + 1个元素，下标是(m+n)/2；若m+n为偶数，则中位数是第(m+n)/2个和第(m+n)/2+1个元素，下标分别是(m+n)/2-1和(m+n)/2。</a:t>
+            </a:r>
+            <a:endParaRPr lang="" altLang="zh-CN"/>
+          </a:p>
+          <a:p>
+            <a:pPr marL="514350" indent="-514350">
+              <a:buAutoNum type="arabicPeriod"/>
+            </a:pPr>
+            <a:r>
+              <a:rPr lang="" altLang="zh-CN"/>
+              <a:t>根据以上分析，问题转化为寻找两个有序数组的第k个元素</a:t>
+            </a:r>
+            <a:endParaRPr lang="" altLang="zh-CN"/>
+          </a:p>
+          <a:p>
+            <a:pPr marL="514350" indent="-514350">
+              <a:buAutoNum type="arabicPeriod"/>
+            </a:pPr>
+            <a:r>
+              <a:rPr lang="" altLang="zh-CN"/>
+              <a:t>怎么寻找第k个元素呢？现在我们假设两个数组各分担k/2个（无论k是奇数还是偶数；下标嘛就是k/2-1）；</a:t>
+            </a:r>
+            <a:endParaRPr lang="" altLang="zh-CN"/>
+          </a:p>
+          <a:p>
+            <a:pPr marL="514350" indent="-514350">
+              <a:buAutoNum type="arabicPeriod"/>
+            </a:pPr>
+            <a:r>
+              <a:rPr lang="" altLang="zh-CN"/>
+              <a:t>接下来我们把目光放在两个第k/2的数上。这就是本题算法的核心！这两个第k/2个元素进行下对比，如果A[k/2-1] &lt;= B[k/2-1]，那么A[0 ... k/2-1]是要被剪掉的哦！</a:t>
+            </a:r>
+            <a:endParaRPr lang="" altLang="zh-CN"/>
+          </a:p>
+        </p:txBody>
+      </p:sp>
+    </p:spTree>
+  </p:cSld>
+  <p:clrMapOvr>
+    <a:masterClrMapping/>
+  </p:clrMapOvr>
+</p:sld>
+</file>
+
+<file path=ppt/slides/slide17.xml><?xml version="1.0" encoding="utf-8"?>
+<p:sld xmlns:a="http://schemas.openxmlformats.org/drawingml/2006/main" xmlns:r="http://schemas.openxmlformats.org/officeDocument/2006/relationships" xmlns:p="http://schemas.openxmlformats.org/presentationml/2006/main">
+  <p:cSld>
+    <p:spTree>
+      <p:nvGrpSpPr>
+        <p:cNvPr id="1" name=""/>
+        <p:cNvGrpSpPr/>
+        <p:nvPr/>
+      </p:nvGrpSpPr>
+      <p:grpSpPr/>
+      <p:sp>
+        <p:nvSpPr>
+          <p:cNvPr id="2" name="标题 1"/>
+          <p:cNvSpPr>
+            <a:spLocks noGrp="1"/>
+          </p:cNvSpPr>
+          <p:nvPr>
+            <p:ph type="title"/>
+          </p:nvPr>
+        </p:nvSpPr>
+        <p:spPr/>
+        <p:txBody>
+          <a:bodyPr/>
+          <a:p>
+            <a:r>
+              <a:rPr lang="" altLang="zh-CN"/>
+              <a:t>边界条件</a:t>
+            </a:r>
+            <a:endParaRPr lang="" altLang="zh-CN"/>
+          </a:p>
+        </p:txBody>
+      </p:sp>
+      <p:sp>
+        <p:nvSpPr>
+          <p:cNvPr id="3" name="内容占位符 2"/>
+          <p:cNvSpPr>
+            <a:spLocks noGrp="1"/>
+          </p:cNvSpPr>
+          <p:nvPr>
+            <p:ph idx="1"/>
+          </p:nvPr>
+        </p:nvSpPr>
+        <p:spPr/>
+        <p:txBody>
+          <a:bodyPr/>
+          <a:p>
+            <a:r>
+              <a:rPr lang="" altLang="zh-CN"/>
+              <a:t>若k/2-1越界，则取对应数组的最后一个值</a:t>
+            </a:r>
+            <a:endParaRPr lang="" altLang="zh-CN"/>
+          </a:p>
+          <a:p>
+            <a:r>
+              <a:rPr lang="" altLang="zh-CN"/>
+              <a:t>若一个数组已经空了，则取另一个数组的第k个</a:t>
+            </a:r>
+            <a:endParaRPr lang="" altLang="zh-CN"/>
+          </a:p>
+          <a:p>
+            <a:r>
+              <a:rPr lang="" altLang="zh-CN"/>
+              <a:t>若k=1，则返回两个数组首元素的较小者</a:t>
+            </a:r>
+            <a:endParaRPr lang="" altLang="zh-CN"/>
+          </a:p>
+        </p:txBody>
+      </p:sp>
+    </p:spTree>
+  </p:cSld>
+  <p:clrMapOvr>
+    <a:masterClrMapping/>
+  </p:clrMapOvr>
+</p:sld>
+</file>
+
+<file path=ppt/slides/slide18.xml><?xml version="1.0" encoding="utf-8"?>
+<p:sld xmlns:a="http://schemas.openxmlformats.org/drawingml/2006/main" xmlns:r="http://schemas.openxmlformats.org/officeDocument/2006/relationships" xmlns:p="http://schemas.openxmlformats.org/presentationml/2006/main">
+  <p:cSld>
+    <p:spTree>
+      <p:nvGrpSpPr>
+        <p:cNvPr id="1" name=""/>
+        <p:cNvGrpSpPr/>
+        <p:nvPr/>
+      </p:nvGrpSpPr>
+      <p:grpSpPr/>
+      <p:sp>
+        <p:nvSpPr>
+          <p:cNvPr id="2" name="标题 1"/>
+          <p:cNvSpPr>
+            <a:spLocks noGrp="1"/>
+          </p:cNvSpPr>
+          <p:nvPr>
+            <p:ph type="title"/>
+          </p:nvPr>
+        </p:nvSpPr>
+        <p:spPr/>
+        <p:txBody>
+          <a:bodyPr/>
+          <a:p>
+            <a:r>
+              <a:rPr lang="" altLang="zh-CN"/>
+              <a:t>变量设置</a:t>
+            </a:r>
+            <a:endParaRPr lang="" altLang="zh-CN"/>
+          </a:p>
+        </p:txBody>
+      </p:sp>
+      <p:sp>
+        <p:nvSpPr>
+          <p:cNvPr id="3" name="内容占位符 2"/>
+          <p:cNvSpPr>
+            <a:spLocks noGrp="1"/>
+          </p:cNvSpPr>
+          <p:nvPr>
+            <p:ph idx="1"/>
+          </p:nvPr>
+        </p:nvSpPr>
+        <p:spPr/>
+        <p:txBody>
+          <a:bodyPr/>
+          <a:p>
+            <a:r>
+              <a:rPr lang="" altLang="zh-CN"/>
+              <a:t>k -    动态数组的第k个元素</a:t>
+            </a:r>
+            <a:endParaRPr lang="" altLang="zh-CN"/>
+          </a:p>
+          <a:p>
+            <a:r>
+              <a:rPr lang="" altLang="zh-CN"/>
+              <a:t>index1 - 数组1的游标</a:t>
+            </a:r>
+            <a:endParaRPr lang="" altLang="zh-CN"/>
+          </a:p>
+          <a:p>
+            <a:r>
+              <a:rPr lang="" altLang="zh-CN"/>
+              <a:t>index2 - 数组2的游标</a:t>
+            </a:r>
+            <a:endParaRPr lang="" altLang="zh-CN"/>
+          </a:p>
+          <a:p>
+            <a:endParaRPr lang="" altLang="zh-CN"/>
+          </a:p>
+          <a:p>
+            <a:pPr marL="0" indent="0">
+              <a:buNone/>
+            </a:pPr>
+            <a:endParaRPr lang="" altLang="zh-CN"/>
+          </a:p>
+        </p:txBody>
+      </p:sp>
+    </p:spTree>
+  </p:cSld>
+  <p:clrMapOvr>
+    <a:masterClrMapping/>
+  </p:clrMapOvr>
+</p:sld>
+</file>
+
+<file path=ppt/slides/slide19.xml><?xml version="1.0" encoding="utf-8"?>
+<p:sld xmlns:a="http://schemas.openxmlformats.org/drawingml/2006/main" xmlns:r="http://schemas.openxmlformats.org/officeDocument/2006/relationships" xmlns:p="http://schemas.openxmlformats.org/presentationml/2006/main">
+  <p:cSld>
+    <p:spTree>
+      <p:nvGrpSpPr>
+        <p:cNvPr id="1" name=""/>
+        <p:cNvGrpSpPr/>
+        <p:nvPr/>
+      </p:nvGrpSpPr>
+      <p:grpSpPr/>
+      <p:sp>
+        <p:nvSpPr>
+          <p:cNvPr id="3" name="内容占位符 2"/>
+          <p:cNvSpPr>
+            <a:spLocks noGrp="1"/>
+          </p:cNvSpPr>
+          <p:nvPr>
+            <p:ph idx="1"/>
+          </p:nvPr>
+        </p:nvSpPr>
+        <p:spPr>
+          <a:xfrm>
+            <a:off x="359410" y="303530"/>
+            <a:ext cx="11426825" cy="6445885"/>
+          </a:xfrm>
+        </p:spPr>
+        <p:txBody>
+          <a:bodyPr>
+            <a:normAutofit fontScale="70000"/>
+          </a:bodyPr>
+          <a:p>
+            <a:r>
+              <a:rPr lang="" altLang="zh-CN"/>
+              <a:t>每一个循环里面，已知游标idx1，idx2，长度m，n；以及要求的k</a:t>
+            </a:r>
+            <a:endParaRPr lang="" altLang="zh-CN"/>
+          </a:p>
+          <a:p>
+            <a:r>
+              <a:rPr lang="" altLang="zh-CN"/>
+              <a:t>操作：</a:t>
+            </a:r>
+            <a:endParaRPr lang="" altLang="zh-CN"/>
+          </a:p>
+          <a:p>
+            <a:pPr marL="0" indent="0">
+              <a:buNone/>
+            </a:pPr>
+            <a:r>
+              <a:rPr lang="" altLang="zh-CN"/>
+              <a:t>	// 计算新的比较点</a:t>
+            </a:r>
+            <a:endParaRPr lang="" altLang="zh-CN"/>
+          </a:p>
+          <a:p>
+            <a:pPr marL="0" indent="0">
+              <a:buNone/>
+            </a:pPr>
+            <a:r>
+              <a:rPr lang="" altLang="zh-CN"/>
+              <a:t>	int new_idx1 = min(idx1+k/2-1, m-1);</a:t>
+            </a:r>
+            <a:endParaRPr lang="" altLang="zh-CN"/>
+          </a:p>
+          <a:p>
+            <a:pPr marL="0" indent="0">
+              <a:buNone/>
+            </a:pPr>
+            <a:r>
+              <a:rPr lang="" altLang="zh-CN"/>
+              <a:t>	int new_idx2 = min(idx2+k/2-1, n-1);</a:t>
+            </a:r>
+            <a:endParaRPr lang="" altLang="zh-CN"/>
+          </a:p>
+          <a:p>
+            <a:pPr marL="0" indent="0">
+              <a:buNone/>
+            </a:pPr>
+            <a:r>
+              <a:rPr lang="" altLang="zh-CN"/>
+              <a:t>	// 比大小，更新idx， 更新k</a:t>
+            </a:r>
+            <a:endParaRPr lang="" altLang="zh-CN"/>
+          </a:p>
+          <a:p>
+            <a:pPr marL="0" indent="0">
+              <a:buNone/>
+            </a:pPr>
+            <a:r>
+              <a:rPr lang="" altLang="zh-CN"/>
+              <a:t>	int pivot1 = nums1[new_idx1];</a:t>
+            </a:r>
+            <a:endParaRPr lang="" altLang="zh-CN"/>
+          </a:p>
+          <a:p>
+            <a:pPr marL="0" indent="0">
+              <a:buNone/>
+            </a:pPr>
+            <a:r>
+              <a:rPr lang="" altLang="zh-CN"/>
+              <a:t>	int pivot2 = nums2[new_idx2];</a:t>
+            </a:r>
+            <a:endParaRPr lang="" altLang="zh-CN"/>
+          </a:p>
+          <a:p>
+            <a:pPr marL="0" indent="0">
+              <a:buNone/>
+            </a:pPr>
+            <a:r>
+              <a:rPr lang="" altLang="zh-CN"/>
+              <a:t>	if(pivot1 &lt;= pivot2) {</a:t>
+            </a:r>
+            <a:endParaRPr lang="" altLang="zh-CN"/>
+          </a:p>
+          <a:p>
+            <a:pPr marL="0" indent="0">
+              <a:buNone/>
+            </a:pPr>
+            <a:r>
+              <a:rPr lang="" altLang="zh-CN"/>
+              <a:t>		k = k - (new_idx1-idx1+1);</a:t>
+            </a:r>
+            <a:endParaRPr lang="" altLang="zh-CN"/>
+          </a:p>
+          <a:p>
+            <a:pPr marL="0" indent="0">
+              <a:buNone/>
+            </a:pPr>
+            <a:r>
+              <a:rPr lang="" altLang="zh-CN"/>
+              <a:t>		index1 = new_idx1 + 1;</a:t>
+            </a:r>
+            <a:endParaRPr lang="" altLang="zh-CN"/>
+          </a:p>
+          <a:p>
+            <a:pPr marL="0" indent="0">
+              <a:buNone/>
+            </a:pPr>
+            <a:r>
+              <a:rPr lang="" altLang="zh-CN"/>
+              <a:t>	}</a:t>
+            </a:r>
+            <a:endParaRPr lang="" altLang="zh-CN"/>
+          </a:p>
+          <a:p>
+            <a:pPr marL="0" indent="0">
+              <a:buNone/>
+            </a:pPr>
+            <a:r>
+              <a:rPr lang="" altLang="zh-CN"/>
+              <a:t>	else {</a:t>
+            </a:r>
+            <a:endParaRPr lang="" altLang="zh-CN"/>
+          </a:p>
+          <a:p>
+            <a:pPr marL="0" indent="0">
+              <a:buNone/>
+            </a:pPr>
+            <a:r>
+              <a:rPr lang="" altLang="zh-CN"/>
+              <a:t>		</a:t>
+            </a:r>
+            <a:r>
+              <a:rPr lang="en-US" altLang="zh-CN">
+                <a:sym typeface="+mn-ea"/>
+              </a:rPr>
+              <a:t>k = k - (new_idx</a:t>
+            </a:r>
+            <a:r>
+              <a:rPr lang="" altLang="en-US">
+                <a:sym typeface="+mn-ea"/>
+              </a:rPr>
+              <a:t>2</a:t>
+            </a:r>
+            <a:r>
+              <a:rPr lang="en-US" altLang="zh-CN">
+                <a:sym typeface="+mn-ea"/>
+              </a:rPr>
+              <a:t>-idx</a:t>
+            </a:r>
+            <a:r>
+              <a:rPr lang="" altLang="en-US">
+                <a:sym typeface="+mn-ea"/>
+              </a:rPr>
+              <a:t>2</a:t>
+            </a:r>
+            <a:r>
+              <a:rPr lang="en-US" altLang="zh-CN">
+                <a:sym typeface="+mn-ea"/>
+              </a:rPr>
+              <a:t>+1);</a:t>
+            </a:r>
+            <a:endParaRPr lang="en-US" altLang="zh-CN"/>
+          </a:p>
+          <a:p>
+            <a:pPr marL="0" indent="0">
+              <a:buNone/>
+            </a:pPr>
+            <a:r>
+              <a:rPr lang="en-US" altLang="zh-CN">
+                <a:sym typeface="+mn-ea"/>
+              </a:rPr>
+              <a:t>		index</a:t>
+            </a:r>
+            <a:r>
+              <a:rPr lang="" altLang="en-US">
+                <a:sym typeface="+mn-ea"/>
+              </a:rPr>
+              <a:t>2</a:t>
+            </a:r>
+            <a:r>
+              <a:rPr lang="en-US" altLang="zh-CN">
+                <a:sym typeface="+mn-ea"/>
+              </a:rPr>
+              <a:t> = new_idx</a:t>
+            </a:r>
+            <a:r>
+              <a:rPr lang="" altLang="en-US">
+                <a:sym typeface="+mn-ea"/>
+              </a:rPr>
+              <a:t>2</a:t>
+            </a:r>
+            <a:r>
+              <a:rPr lang="en-US" altLang="zh-CN">
+                <a:sym typeface="+mn-ea"/>
+              </a:rPr>
+              <a:t> + 1;</a:t>
+            </a:r>
+            <a:endParaRPr lang="" altLang="zh-CN"/>
+          </a:p>
+          <a:p>
+            <a:pPr marL="0" indent="0">
+              <a:buNone/>
+            </a:pPr>
+            <a:r>
+              <a:rPr lang="" altLang="zh-CN"/>
+              <a:t>	}</a:t>
+            </a:r>
+            <a:endParaRPr lang="" altLang="zh-CN"/>
+          </a:p>
+          <a:p>
+            <a:pPr marL="0" indent="0">
+              <a:buNone/>
+            </a:pPr>
+            <a:endParaRPr lang="" altLang="zh-CN"/>
+          </a:p>
+        </p:txBody>
+      </p:sp>
+      <p:sp>
+        <p:nvSpPr>
+          <p:cNvPr id="2" name="标题 1"/>
+          <p:cNvSpPr>
+            <a:spLocks noGrp="1"/>
+          </p:cNvSpPr>
+          <p:nvPr>
+            <p:ph type="title"/>
+          </p:nvPr>
+        </p:nvSpPr>
+        <p:spPr>
+          <a:xfrm>
+            <a:off x="9093200" y="1050290"/>
+            <a:ext cx="2908935" cy="1325880"/>
+          </a:xfrm>
+        </p:spPr>
+        <p:txBody>
+          <a:bodyPr/>
+          <a:p>
+            <a:r>
+              <a:rPr lang="" altLang="zh-CN"/>
+              <a:t>正常情况</a:t>
+            </a:r>
+            <a:endParaRPr lang="" altLang="zh-CN"/>
+          </a:p>
+        </p:txBody>
+      </p:sp>
+    </p:spTree>
+  </p:cSld>
+  <p:clrMapOvr>
+    <a:masterClrMapping/>
+  </p:clrMapOvr>
+</p:sld>
+</file>
+
 <file path=ppt/slides/slide2.xml><?xml version="1.0" encoding="utf-8"?>
 <p:sld xmlns:a="http://schemas.openxmlformats.org/drawingml/2006/main" xmlns:r="http://schemas.openxmlformats.org/officeDocument/2006/relationships" xmlns:p="http://schemas.openxmlformats.org/presentationml/2006/main">
   <p:cSld>
@@ -3330,10 +4022,10 @@
           <a:bodyPr/>
           <a:p>
             <a:r>
-              <a:rPr lang="" altLang="zh-CN"/>
+              <a:rPr lang="en-US" altLang="zh-CN"/>
               <a:t>零 基本框架</a:t>
             </a:r>
-            <a:endParaRPr lang="" altLang="zh-CN"/>
+            <a:endParaRPr lang="en-US" altLang="zh-CN"/>
           </a:p>
         </p:txBody>
       </p:sp>
@@ -3354,117 +4046,264 @@
           </a:bodyPr>
           <a:p>
             <a:r>
-              <a:rPr lang="" altLang="zh-CN"/>
+              <a:rPr lang="en-US" altLang="zh-CN"/>
               <a:t>白话：给你一个数组和一个目标值，返回这个目标值的索引；如果找不到，返回-1</a:t>
             </a:r>
-            <a:endParaRPr lang="" altLang="zh-CN"/>
-          </a:p>
-          <a:p>
-            <a:r>
-              <a:rPr lang="" altLang="zh-CN"/>
+            <a:endParaRPr lang="en-US" altLang="zh-CN"/>
+          </a:p>
+          <a:p>
+            <a:r>
+              <a:rPr lang="en-US" altLang="zh-CN"/>
               <a:t>代码：</a:t>
             </a:r>
-            <a:endParaRPr lang="" altLang="zh-CN"/>
-          </a:p>
-          <a:p>
-            <a:pPr marL="0" indent="0">
-              <a:buNone/>
-            </a:pPr>
-            <a:r>
-              <a:rPr lang="" altLang="zh-CN"/>
+            <a:endParaRPr lang="en-US" altLang="zh-CN"/>
+          </a:p>
+          <a:p>
+            <a:pPr marL="0" indent="0">
+              <a:buNone/>
+            </a:pPr>
+            <a:r>
+              <a:rPr lang="en-US" altLang="zh-CN"/>
               <a:t>int binarySearch(vector&lt;int&gt;&amp; nums, int target) {</a:t>
             </a:r>
-            <a:endParaRPr lang="" altLang="zh-CN"/>
-          </a:p>
-          <a:p>
-            <a:pPr marL="0" indent="0">
-              <a:buNone/>
-            </a:pPr>
-            <a:r>
-              <a:rPr lang="" altLang="zh-CN"/>
+            <a:endParaRPr lang="en-US" altLang="zh-CN"/>
+          </a:p>
+          <a:p>
+            <a:pPr marL="0" indent="0">
+              <a:buNone/>
+            </a:pPr>
+            <a:r>
+              <a:rPr lang="en-US" altLang="zh-CN"/>
               <a:t>	int left = 0, right = ...;</a:t>
             </a:r>
-            <a:endParaRPr lang="" altLang="zh-CN"/>
-          </a:p>
-          <a:p>
-            <a:pPr marL="0" indent="0">
-              <a:buNone/>
-            </a:pPr>
-            <a:r>
-              <a:rPr lang="" altLang="zh-CN"/>
+            <a:endParaRPr lang="en-US" altLang="zh-CN"/>
+          </a:p>
+          <a:p>
+            <a:pPr marL="0" indent="0">
+              <a:buNone/>
+            </a:pPr>
+            <a:r>
+              <a:rPr lang="en-US" altLang="zh-CN"/>
               <a:t>	while(...) {</a:t>
             </a:r>
-            <a:endParaRPr lang="" altLang="zh-CN"/>
-          </a:p>
-          <a:p>
-            <a:pPr marL="0" indent="0">
-              <a:buNone/>
-            </a:pPr>
-            <a:r>
-              <a:rPr lang="" altLang="zh-CN"/>
+            <a:endParaRPr lang="en-US" altLang="zh-CN"/>
+          </a:p>
+          <a:p>
+            <a:pPr marL="0" indent="0">
+              <a:buNone/>
+            </a:pPr>
+            <a:r>
+              <a:rPr lang="en-US" altLang="zh-CN"/>
               <a:t>		int mid = left + (right-left)/2;</a:t>
             </a:r>
-            <a:endParaRPr lang="" altLang="zh-CN"/>
-          </a:p>
-          <a:p>
-            <a:pPr marL="0" indent="0">
-              <a:buNone/>
-            </a:pPr>
-            <a:r>
-              <a:rPr lang="" altLang="zh-CN"/>
+            <a:endParaRPr lang="en-US" altLang="zh-CN"/>
+          </a:p>
+          <a:p>
+            <a:pPr marL="0" indent="0">
+              <a:buNone/>
+            </a:pPr>
+            <a:r>
+              <a:rPr lang="en-US" altLang="zh-CN"/>
               <a:t>		if(nums[mid] == target) ...;</a:t>
             </a:r>
-            <a:endParaRPr lang="" altLang="zh-CN"/>
-          </a:p>
-          <a:p>
-            <a:pPr marL="0" indent="0">
-              <a:buNone/>
-            </a:pPr>
-            <a:r>
-              <a:rPr lang="" altLang="zh-CN"/>
+            <a:endParaRPr lang="en-US" altLang="zh-CN"/>
+          </a:p>
+          <a:p>
+            <a:pPr marL="0" indent="0">
+              <a:buNone/>
+            </a:pPr>
+            <a:r>
+              <a:rPr lang="en-US" altLang="zh-CN"/>
               <a:t>		else if(nums[mid] &lt; target) left = ...;</a:t>
             </a:r>
-            <a:endParaRPr lang="" altLang="zh-CN"/>
-          </a:p>
-          <a:p>
-            <a:pPr marL="0" indent="0">
-              <a:buNone/>
-            </a:pPr>
-            <a:r>
-              <a:rPr lang="" altLang="zh-CN"/>
+            <a:endParaRPr lang="en-US" altLang="zh-CN"/>
+          </a:p>
+          <a:p>
+            <a:pPr marL="0" indent="0">
+              <a:buNone/>
+            </a:pPr>
+            <a:r>
+              <a:rPr lang="en-US" altLang="zh-CN"/>
               <a:t>		else if(nums[mid] &gt; target) right = ...;</a:t>
             </a:r>
-            <a:endParaRPr lang="" altLang="zh-CN"/>
-          </a:p>
-          <a:p>
-            <a:pPr marL="0" indent="0">
-              <a:buNone/>
-            </a:pPr>
-            <a:r>
-              <a:rPr lang="" altLang="zh-CN"/>
+            <a:endParaRPr lang="en-US" altLang="zh-CN"/>
+          </a:p>
+          <a:p>
+            <a:pPr marL="0" indent="0">
+              <a:buNone/>
+            </a:pPr>
+            <a:r>
+              <a:rPr lang="en-US" altLang="zh-CN"/>
               <a:t>	}</a:t>
             </a:r>
-            <a:endParaRPr lang="" altLang="zh-CN"/>
-          </a:p>
-          <a:p>
-            <a:pPr marL="0" indent="0">
-              <a:buNone/>
-            </a:pPr>
-            <a:r>
-              <a:rPr lang="" altLang="zh-CN"/>
+            <a:endParaRPr lang="en-US" altLang="zh-CN"/>
+          </a:p>
+          <a:p>
+            <a:pPr marL="0" indent="0">
+              <a:buNone/>
+            </a:pPr>
+            <a:r>
+              <a:rPr lang="en-US" altLang="zh-CN"/>
               <a:t>	return ...;</a:t>
             </a:r>
-            <a:endParaRPr lang="" altLang="zh-CN"/>
-          </a:p>
-          <a:p>
-            <a:pPr marL="0" indent="0">
-              <a:buNone/>
-            </a:pPr>
-            <a:r>
-              <a:rPr lang="" altLang="zh-CN"/>
+            <a:endParaRPr lang="en-US" altLang="zh-CN"/>
+          </a:p>
+          <a:p>
+            <a:pPr marL="0" indent="0">
+              <a:buNone/>
+            </a:pPr>
+            <a:r>
+              <a:rPr lang="en-US" altLang="zh-CN"/>
               <a:t>}</a:t>
             </a:r>
-            <a:endParaRPr lang="" altLang="zh-CN"/>
+            <a:endParaRPr lang="en-US" altLang="zh-CN"/>
+          </a:p>
+        </p:txBody>
+      </p:sp>
+    </p:spTree>
+  </p:cSld>
+  <p:clrMapOvr>
+    <a:masterClrMapping/>
+  </p:clrMapOvr>
+</p:sld>
+</file>
+
+<file path=ppt/slides/slide20.xml><?xml version="1.0" encoding="utf-8"?>
+<p:sld xmlns:a="http://schemas.openxmlformats.org/drawingml/2006/main" xmlns:r="http://schemas.openxmlformats.org/officeDocument/2006/relationships" xmlns:p="http://schemas.openxmlformats.org/presentationml/2006/main">
+  <p:cSld>
+    <p:spTree>
+      <p:nvGrpSpPr>
+        <p:cNvPr id="1" name=""/>
+        <p:cNvGrpSpPr/>
+        <p:nvPr/>
+      </p:nvGrpSpPr>
+      <p:grpSpPr/>
+      <p:sp>
+        <p:nvSpPr>
+          <p:cNvPr id="3" name="内容占位符 2"/>
+          <p:cNvSpPr>
+            <a:spLocks noGrp="1"/>
+          </p:cNvSpPr>
+          <p:nvPr>
+            <p:ph idx="1"/>
+          </p:nvPr>
+        </p:nvSpPr>
+        <p:spPr>
+          <a:xfrm>
+            <a:off x="359410" y="303530"/>
+            <a:ext cx="11426825" cy="6445885"/>
+          </a:xfrm>
+        </p:spPr>
+        <p:txBody>
+          <a:bodyPr>
+            <a:normAutofit/>
+          </a:bodyPr>
+          <a:p>
+            <a:pPr marL="0" indent="0">
+              <a:buNone/>
+            </a:pPr>
+            <a:r>
+              <a:rPr lang="" altLang="en-US"/>
+              <a:t>	if(index1 == m) </a:t>
+            </a:r>
+            <a:endParaRPr lang="" altLang="en-US"/>
+          </a:p>
+          <a:p>
+            <a:pPr marL="0" indent="0">
+              <a:buNone/>
+            </a:pPr>
+            <a:r>
+              <a:rPr lang="" altLang="en-US"/>
+              <a:t>		return nums2[idx2+k-1];</a:t>
+            </a:r>
+            <a:endParaRPr lang="" altLang="en-US"/>
+          </a:p>
+          <a:p>
+            <a:pPr marL="0" indent="0">
+              <a:buNone/>
+            </a:pPr>
+            <a:r>
+              <a:rPr lang="" altLang="en-US"/>
+              <a:t>	if(index2 == n) </a:t>
+            </a:r>
+            <a:endParaRPr lang="" altLang="en-US"/>
+          </a:p>
+          <a:p>
+            <a:pPr marL="0" indent="0">
+              <a:buNone/>
+            </a:pPr>
+            <a:r>
+              <a:rPr lang="" altLang="en-US"/>
+              <a:t>		return nums1[idx1+k-1];</a:t>
+            </a:r>
+            <a:endParaRPr lang="" altLang="en-US"/>
+          </a:p>
+          <a:p>
+            <a:pPr marL="0" indent="0">
+              <a:buNone/>
+            </a:pPr>
+            <a:r>
+              <a:rPr lang="" altLang="en-US"/>
+              <a:t>	if(k==1)</a:t>
+            </a:r>
+            <a:endParaRPr lang="" altLang="en-US"/>
+          </a:p>
+          <a:p>
+            <a:pPr marL="0" indent="0">
+              <a:buNone/>
+            </a:pPr>
+            <a:r>
+              <a:rPr lang="" altLang="en-US"/>
+              <a:t>		return min(nums1[idx1], nums2[idx2]);</a:t>
+            </a:r>
+            <a:endParaRPr lang="" altLang="en-US"/>
+          </a:p>
+          <a:p>
+            <a:pPr marL="0" indent="0">
+              <a:buNone/>
+            </a:pPr>
+            <a:r>
+              <a:rPr lang="" altLang="en-US"/>
+              <a:t>	</a:t>
+            </a:r>
+            <a:endParaRPr lang="en-US" altLang="zh-CN"/>
+          </a:p>
+          <a:p>
+            <a:pPr marL="0" indent="0">
+              <a:buNone/>
+            </a:pPr>
+            <a:endParaRPr lang="en-US" altLang="zh-CN"/>
+          </a:p>
+        </p:txBody>
+      </p:sp>
+      <p:sp>
+        <p:nvSpPr>
+          <p:cNvPr id="2" name="标题 1"/>
+          <p:cNvSpPr>
+            <a:spLocks noGrp="1"/>
+          </p:cNvSpPr>
+          <p:nvPr>
+            <p:ph type="title"/>
+          </p:nvPr>
+        </p:nvSpPr>
+        <p:spPr>
+          <a:xfrm>
+            <a:off x="9093200" y="1050290"/>
+            <a:ext cx="2908935" cy="1325880"/>
+          </a:xfrm>
+        </p:spPr>
+        <p:txBody>
+          <a:bodyPr/>
+          <a:p>
+            <a:r>
+              <a:rPr lang="" altLang="en-US"/>
+              <a:t>边界</a:t>
+            </a:r>
+            <a:r>
+              <a:rPr lang="en-US" altLang="zh-CN"/>
+              <a:t>情况</a:t>
+            </a:r>
+            <a:endParaRPr lang="en-US" altLang="zh-CN"/>
           </a:p>
         </p:txBody>
       </p:sp>
@@ -3506,10 +4345,10 @@
           <a:bodyPr/>
           <a:p>
             <a:r>
-              <a:rPr lang="" altLang="zh-CN"/>
+              <a:rPr lang="en-US" altLang="zh-CN"/>
               <a:t>一 寻找一个数（基本二分查找）</a:t>
             </a:r>
-            <a:endParaRPr lang="" altLang="zh-CN"/>
+            <a:endParaRPr lang="en-US" altLang="zh-CN"/>
           </a:p>
         </p:txBody>
       </p:sp>
@@ -3538,130 +4377,130 @@
               <a:buNone/>
             </a:pPr>
             <a:r>
-              <a:rPr lang="" altLang="zh-CN"/>
+              <a:rPr lang="en-US" altLang="zh-CN"/>
               <a:t>int binarySearch(vector&lt;int&gt;&amp; nums, int target) {</a:t>
             </a:r>
-            <a:endParaRPr lang="" altLang="zh-CN"/>
-          </a:p>
-          <a:p>
-            <a:pPr marL="0" indent="0">
-              <a:buNone/>
-            </a:pPr>
-            <a:r>
-              <a:rPr lang="" altLang="zh-CN"/>
+            <a:endParaRPr lang="en-US" altLang="zh-CN"/>
+          </a:p>
+          <a:p>
+            <a:pPr marL="0" indent="0">
+              <a:buNone/>
+            </a:pPr>
+            <a:r>
+              <a:rPr lang="en-US" altLang="zh-CN"/>
               <a:t>    int left = 0, right = nums.size()-1;</a:t>
             </a:r>
-            <a:endParaRPr lang="" altLang="zh-CN"/>
-          </a:p>
-          <a:p>
-            <a:pPr marL="0" indent="0">
-              <a:buNone/>
-            </a:pPr>
-            <a:r>
-              <a:rPr lang="" altLang="zh-CN"/>
+            <a:endParaRPr lang="en-US" altLang="zh-CN"/>
+          </a:p>
+          <a:p>
+            <a:pPr marL="0" indent="0">
+              <a:buNone/>
+            </a:pPr>
+            <a:r>
+              <a:rPr lang="en-US" altLang="zh-CN"/>
               <a:t>    while(left &lt;= right) {</a:t>
             </a:r>
-            <a:endParaRPr lang="" altLang="zh-CN"/>
-          </a:p>
-          <a:p>
-            <a:pPr marL="0" indent="0">
-              <a:buNone/>
-            </a:pPr>
-            <a:r>
-              <a:rPr lang="" altLang="zh-CN"/>
+            <a:endParaRPr lang="en-US" altLang="zh-CN"/>
+          </a:p>
+          <a:p>
+            <a:pPr marL="0" indent="0">
+              <a:buNone/>
+            </a:pPr>
+            <a:r>
+              <a:rPr lang="en-US" altLang="zh-CN"/>
               <a:t>        int mid = left + (right - left) / 2;</a:t>
             </a:r>
-            <a:endParaRPr lang="" altLang="zh-CN"/>
-          </a:p>
-          <a:p>
-            <a:pPr marL="0" indent="0">
-              <a:buNone/>
-            </a:pPr>
-            <a:r>
-              <a:rPr lang="" altLang="zh-CN"/>
+            <a:endParaRPr lang="en-US" altLang="zh-CN"/>
+          </a:p>
+          <a:p>
+            <a:pPr marL="0" indent="0">
+              <a:buNone/>
+            </a:pPr>
+            <a:r>
+              <a:rPr lang="en-US" altLang="zh-CN"/>
               <a:t>        if(nums[mid] == target) </a:t>
             </a:r>
-            <a:endParaRPr lang="" altLang="zh-CN"/>
-          </a:p>
-          <a:p>
-            <a:pPr marL="0" indent="0">
-              <a:buNone/>
-            </a:pPr>
-            <a:r>
-              <a:rPr lang="" altLang="zh-CN"/>
+            <a:endParaRPr lang="en-US" altLang="zh-CN"/>
+          </a:p>
+          <a:p>
+            <a:pPr marL="0" indent="0">
+              <a:buNone/>
+            </a:pPr>
+            <a:r>
+              <a:rPr lang="en-US" altLang="zh-CN"/>
               <a:t>            return mid;</a:t>
             </a:r>
-            <a:endParaRPr lang="" altLang="zh-CN"/>
-          </a:p>
-          <a:p>
-            <a:pPr marL="0" indent="0">
-              <a:buNone/>
-            </a:pPr>
-            <a:r>
-              <a:rPr lang="" altLang="zh-CN"/>
+            <a:endParaRPr lang="en-US" altLang="zh-CN"/>
+          </a:p>
+          <a:p>
+            <a:pPr marL="0" indent="0">
+              <a:buNone/>
+            </a:pPr>
+            <a:r>
+              <a:rPr lang="en-US" altLang="zh-CN"/>
               <a:t>        else if(nums[mid] &lt; target) </a:t>
             </a:r>
-            <a:endParaRPr lang="" altLang="zh-CN"/>
-          </a:p>
-          <a:p>
-            <a:pPr marL="0" indent="0">
-              <a:buNone/>
-            </a:pPr>
-            <a:r>
-              <a:rPr lang="" altLang="zh-CN"/>
+            <a:endParaRPr lang="en-US" altLang="zh-CN"/>
+          </a:p>
+          <a:p>
+            <a:pPr marL="0" indent="0">
+              <a:buNone/>
+            </a:pPr>
+            <a:r>
+              <a:rPr lang="en-US" altLang="zh-CN"/>
               <a:t>            left = mid + 1;</a:t>
             </a:r>
-            <a:endParaRPr lang="" altLang="zh-CN"/>
-          </a:p>
-          <a:p>
-            <a:pPr marL="0" indent="0">
-              <a:buNone/>
-            </a:pPr>
-            <a:r>
-              <a:rPr lang="" altLang="zh-CN"/>
+            <a:endParaRPr lang="en-US" altLang="zh-CN"/>
+          </a:p>
+          <a:p>
+            <a:pPr marL="0" indent="0">
+              <a:buNone/>
+            </a:pPr>
+            <a:r>
+              <a:rPr lang="en-US" altLang="zh-CN"/>
               <a:t>        else if(nums[mid] &gt; target) </a:t>
             </a:r>
-            <a:endParaRPr lang="" altLang="zh-CN"/>
-          </a:p>
-          <a:p>
-            <a:pPr marL="0" indent="0">
-              <a:buNone/>
-            </a:pPr>
-            <a:r>
-              <a:rPr lang="" altLang="zh-CN"/>
+            <a:endParaRPr lang="en-US" altLang="zh-CN"/>
+          </a:p>
+          <a:p>
+            <a:pPr marL="0" indent="0">
+              <a:buNone/>
+            </a:pPr>
+            <a:r>
+              <a:rPr lang="en-US" altLang="zh-CN"/>
               <a:t>            right = mid - 1;</a:t>
             </a:r>
-            <a:endParaRPr lang="" altLang="zh-CN"/>
-          </a:p>
-          <a:p>
-            <a:pPr marL="0" indent="0">
-              <a:buNone/>
-            </a:pPr>
-            <a:r>
-              <a:rPr lang="" altLang="zh-CN"/>
+            <a:endParaRPr lang="en-US" altLang="zh-CN"/>
+          </a:p>
+          <a:p>
+            <a:pPr marL="0" indent="0">
+              <a:buNone/>
+            </a:pPr>
+            <a:r>
+              <a:rPr lang="en-US" altLang="zh-CN"/>
               <a:t>    }</a:t>
             </a:r>
-            <a:endParaRPr lang="" altLang="zh-CN"/>
-          </a:p>
-          <a:p>
-            <a:pPr marL="0" indent="0">
-              <a:buNone/>
-            </a:pPr>
-            <a:r>
-              <a:rPr lang="" altLang="zh-CN"/>
+            <a:endParaRPr lang="en-US" altLang="zh-CN"/>
+          </a:p>
+          <a:p>
+            <a:pPr marL="0" indent="0">
+              <a:buNone/>
+            </a:pPr>
+            <a:r>
+              <a:rPr lang="en-US" altLang="zh-CN"/>
               <a:t>    return -1;</a:t>
             </a:r>
-            <a:endParaRPr lang="" altLang="zh-CN"/>
-          </a:p>
-          <a:p>
-            <a:pPr marL="0" indent="0">
-              <a:buNone/>
-            </a:pPr>
-            <a:r>
-              <a:rPr lang="" altLang="zh-CN"/>
+            <a:endParaRPr lang="en-US" altLang="zh-CN"/>
+          </a:p>
+          <a:p>
+            <a:pPr marL="0" indent="0">
+              <a:buNone/>
+            </a:pPr>
+            <a:r>
+              <a:rPr lang="en-US" altLang="zh-CN"/>
               <a:t>}</a:t>
             </a:r>
-            <a:endParaRPr lang="" altLang="zh-CN"/>
+            <a:endParaRPr lang="en-US" altLang="zh-CN"/>
           </a:p>
         </p:txBody>
       </p:sp>
@@ -3698,10 +4537,10 @@
           <a:bodyPr/>
           <a:p>
             <a:r>
-              <a:rPr lang="" altLang="zh-CN"/>
+              <a:rPr lang="en-US" altLang="zh-CN"/>
               <a:t>二 寻找左侧边界</a:t>
             </a:r>
-            <a:endParaRPr lang="" altLang="zh-CN"/>
+            <a:endParaRPr lang="en-US" altLang="zh-CN"/>
           </a:p>
         </p:txBody>
       </p:sp>
@@ -3868,17 +4707,17 @@
           </a:bodyPr>
           <a:p>
             <a:r>
-              <a:rPr lang="" altLang="zh-CN"/>
+              <a:rPr lang="en-US" altLang="zh-CN"/>
               <a:t>关键词：</a:t>
             </a:r>
-            <a:endParaRPr lang="" altLang="zh-CN"/>
-          </a:p>
-          <a:p>
-            <a:r>
-              <a:rPr lang="" altLang="zh-CN"/>
+            <a:endParaRPr lang="en-US" altLang="zh-CN"/>
+          </a:p>
+          <a:p>
+            <a:r>
+              <a:rPr lang="en-US" altLang="zh-CN"/>
               <a:t>左闭右开！</a:t>
             </a:r>
-            <a:endParaRPr lang="" altLang="zh-CN"/>
+            <a:endParaRPr lang="en-US" altLang="zh-CN"/>
           </a:p>
         </p:txBody>
       </p:sp>
@@ -3915,10 +4754,10 @@
           <a:bodyPr/>
           <a:p>
             <a:r>
-              <a:rPr lang="" altLang="zh-CN"/>
+              <a:rPr lang="en-US" altLang="zh-CN"/>
               <a:t>玩转lower_bound和upper_bound</a:t>
             </a:r>
-            <a:endParaRPr lang="" altLang="zh-CN"/>
+            <a:endParaRPr lang="en-US" altLang="zh-CN"/>
           </a:p>
         </p:txBody>
       </p:sp>
@@ -3937,31 +4776,31 @@
           <a:bodyPr/>
           <a:p>
             <a:r>
-              <a:rPr lang="" altLang="zh-CN"/>
+              <a:rPr lang="en-US" altLang="zh-CN"/>
               <a:t>stl自带了lower_bound和upper_bound函数，经常会搞晕它们的意义。</a:t>
             </a:r>
-            <a:endParaRPr lang="" altLang="zh-CN"/>
-          </a:p>
-          <a:p>
-            <a:r>
-              <a:rPr lang="" altLang="zh-CN"/>
+            <a:endParaRPr lang="en-US" altLang="zh-CN"/>
+          </a:p>
+          <a:p>
+            <a:r>
+              <a:rPr lang="en-US" altLang="zh-CN"/>
               <a:t>搞清它们的意义要结合二分搜索，尤其是搜索两字</a:t>
             </a:r>
-            <a:endParaRPr lang="" altLang="zh-CN"/>
-          </a:p>
-          <a:p>
-            <a:r>
-              <a:rPr lang="" altLang="zh-CN"/>
+            <a:endParaRPr lang="en-US" altLang="zh-CN"/>
+          </a:p>
+          <a:p>
+            <a:r>
+              <a:rPr lang="en-US" altLang="zh-CN"/>
               <a:t>我给它们下的定义是：lower_bound和upper_bound描述了在一个有序数组中二分查找target值时，target值对应的左闭右开区间。</a:t>
             </a:r>
-            <a:endParaRPr lang="" altLang="zh-CN"/>
-          </a:p>
-          <a:p>
-            <a:r>
-              <a:rPr lang="" altLang="zh-CN"/>
+            <a:endParaRPr lang="en-US" altLang="zh-CN"/>
+          </a:p>
+          <a:p>
+            <a:r>
+              <a:rPr lang="en-US" altLang="zh-CN"/>
               <a:t>下一页来举例子</a:t>
             </a:r>
-            <a:endParaRPr lang="" altLang="zh-CN"/>
+            <a:endParaRPr lang="en-US" altLang="zh-CN"/>
           </a:p>
         </p:txBody>
       </p:sp>
@@ -4026,45 +4865,45 @@
           </a:bodyPr>
           <a:p>
             <a:r>
-              <a:rPr lang="" altLang="zh-CN"/>
+              <a:rPr lang="en-US" altLang="zh-CN"/>
               <a:t>数组 1 3 3 3 6 6 9 11 共8个数</a:t>
             </a:r>
-            <a:endParaRPr lang="" altLang="zh-CN"/>
-          </a:p>
-          <a:p>
-            <a:r>
-              <a:rPr lang="" altLang="zh-CN"/>
+            <a:endParaRPr lang="en-US" altLang="zh-CN"/>
+          </a:p>
+          <a:p>
+            <a:r>
+              <a:rPr lang="en-US" altLang="zh-CN"/>
               <a:t>3对应的左闭右开区间为[1, 4)，所以lb和rb分别为1和4；也有人这么定义：第一个大于等于3的数对应索引为1，第一个大于3的数对应索引为4...但是这种定义是间接结论，不直接。</a:t>
             </a:r>
-            <a:endParaRPr lang="" altLang="zh-CN"/>
-          </a:p>
-          <a:p>
-            <a:r>
-              <a:rPr lang="" altLang="zh-CN"/>
+            <a:endParaRPr lang="en-US" altLang="zh-CN"/>
+          </a:p>
+          <a:p>
+            <a:r>
+              <a:rPr lang="en-US" altLang="zh-CN"/>
               <a:t>1对应的左闭右开区间为[0,1)，所以lb和rb分别为0和1；</a:t>
             </a:r>
-            <a:endParaRPr lang="" altLang="zh-CN"/>
-          </a:p>
-          <a:p>
-            <a:r>
-              <a:rPr lang="" altLang="zh-CN"/>
+            <a:endParaRPr lang="en-US" altLang="zh-CN"/>
+          </a:p>
+          <a:p>
+            <a:r>
+              <a:rPr lang="en-US" altLang="zh-CN"/>
               <a:t>2对应的左闭右开区间为？答[1,1)。请体会这种微妙的结果。所以lb和rb分别为1和1</a:t>
             </a:r>
-            <a:endParaRPr lang="" altLang="zh-CN"/>
-          </a:p>
-          <a:p>
-            <a:r>
-              <a:rPr lang="" altLang="zh-CN"/>
+            <a:endParaRPr lang="en-US" altLang="zh-CN"/>
+          </a:p>
+          <a:p>
+            <a:r>
+              <a:rPr lang="en-US" altLang="zh-CN"/>
               <a:t>那么再怪一点，0对应的左闭右开区间为？答[0,0)。所以lb和rb均为-0</a:t>
             </a:r>
-            <a:endParaRPr lang="" altLang="zh-CN"/>
-          </a:p>
-          <a:p>
-            <a:r>
-              <a:rPr lang="" altLang="zh-CN"/>
+            <a:endParaRPr lang="en-US" altLang="zh-CN"/>
+          </a:p>
+          <a:p>
+            <a:r>
+              <a:rPr lang="en-US" altLang="zh-CN"/>
               <a:t>那12呢？[8,8)!!</a:t>
             </a:r>
-            <a:endParaRPr lang="" altLang="zh-CN"/>
+            <a:endParaRPr lang="en-US" altLang="zh-CN"/>
           </a:p>
         </p:txBody>
       </p:sp>
@@ -4101,10 +4940,10 @@
           <a:bodyPr/>
           <a:p>
             <a:r>
-              <a:rPr lang="" altLang="zh-CN"/>
+              <a:rPr lang="en-US" altLang="zh-CN"/>
               <a:t>三 寻找右侧边界</a:t>
             </a:r>
-            <a:endParaRPr lang="" altLang="zh-CN"/>
+            <a:endParaRPr lang="en-US" altLang="zh-CN"/>
           </a:p>
         </p:txBody>
       </p:sp>
@@ -4333,10 +5172,10 @@
           <a:bodyPr/>
           <a:p>
             <a:r>
-              <a:rPr lang="" altLang="zh-CN"/>
+              <a:rPr lang="en-US" altLang="zh-CN"/>
               <a:t>875 爱吃香蕉的珂珂</a:t>
             </a:r>
-            <a:endParaRPr lang="" altLang="zh-CN"/>
+            <a:endParaRPr lang="en-US" altLang="zh-CN"/>
           </a:p>
         </p:txBody>
       </p:sp>
@@ -4355,30 +5194,30 @@
           <a:bodyPr/>
           <a:p>
             <a:r>
-              <a:rPr lang="" altLang="zh-CN"/>
+              <a:rPr lang="en-US" altLang="zh-CN"/>
               <a:t>这是二分查找的有一个变种，变化的是判定条件</a:t>
             </a:r>
-            <a:endParaRPr lang="" altLang="zh-CN"/>
-          </a:p>
-          <a:p>
-            <a:endParaRPr lang="" altLang="zh-CN"/>
-          </a:p>
-          <a:p>
-            <a:r>
-              <a:rPr lang="" altLang="zh-CN"/>
+            <a:endParaRPr lang="en-US" altLang="zh-CN"/>
+          </a:p>
+          <a:p>
+            <a:endParaRPr lang="en-US" altLang="zh-CN"/>
+          </a:p>
+          <a:p>
+            <a:r>
+              <a:rPr lang="en-US" altLang="zh-CN"/>
               <a:t>连续单调的空间，为了简化线性搜索，可以考虑二分查找</a:t>
             </a:r>
-            <a:endParaRPr lang="" altLang="zh-CN"/>
-          </a:p>
-          <a:p>
-            <a:endParaRPr lang="" altLang="zh-CN"/>
-          </a:p>
-          <a:p>
-            <a:r>
-              <a:rPr lang="" altLang="zh-CN"/>
+            <a:endParaRPr lang="en-US" altLang="zh-CN"/>
+          </a:p>
+          <a:p>
+            <a:endParaRPr lang="en-US" altLang="zh-CN"/>
+          </a:p>
+          <a:p>
+            <a:r>
+              <a:rPr lang="en-US" altLang="zh-CN"/>
               <a:t>本题的情况，判定函数为bool，当speed太小时肯定返回false，当speed大到一定程度后肯定返回true，这也是一种广义的单调性</a:t>
             </a:r>
-            <a:endParaRPr lang="" altLang="zh-CN"/>
+            <a:endParaRPr lang="en-US" altLang="zh-CN"/>
           </a:p>
         </p:txBody>
       </p:sp>
